--- a/infor/Boston Crime Prediction.pptx
+++ b/infor/Boston Crime Prediction.pptx
@@ -31,7 +31,13 @@
     <p:sldId id="279" r:id="rId25"/>
     <p:sldId id="280" r:id="rId26"/>
     <p:sldId id="281" r:id="rId27"/>
-    <p:sldId id="282" r:id="rId28"/>
+    <p:sldId id="283" r:id="rId28"/>
+    <p:sldId id="285" r:id="rId29"/>
+    <p:sldId id="286" r:id="rId30"/>
+    <p:sldId id="287" r:id="rId31"/>
+    <p:sldId id="284" r:id="rId32"/>
+    <p:sldId id="288" r:id="rId33"/>
+    <p:sldId id="282" r:id="rId34"/>
   </p:sldIdLst>
   <p:sldSz cx="9144000" cy="6858000" type="screen4x3"/>
   <p:notesSz cx="6858000" cy="9144000"/>
@@ -3432,7 +3438,7 @@
             <a:fld id="{1D8BD707-D9CF-40AE-B4C6-C98DA3205C09}" type="datetimeFigureOut">
               <a:rPr lang="en-US" smtClean="0"/>
               <a:pPr/>
-              <a:t>7/20/2016</a:t>
+              <a:t>7/21/2016</a:t>
             </a:fld>
             <a:endParaRPr lang="en-US"/>
           </a:p>
@@ -3630,7 +3636,7 @@
             <a:fld id="{1D8BD707-D9CF-40AE-B4C6-C98DA3205C09}" type="datetimeFigureOut">
               <a:rPr lang="en-US" smtClean="0"/>
               <a:pPr/>
-              <a:t>7/20/2016</a:t>
+              <a:t>7/21/2016</a:t>
             </a:fld>
             <a:endParaRPr lang="en-US"/>
           </a:p>
@@ -3817,7 +3823,7 @@
             <a:fld id="{1D8BD707-D9CF-40AE-B4C6-C98DA3205C09}" type="datetimeFigureOut">
               <a:rPr lang="en-US" smtClean="0"/>
               <a:pPr/>
-              <a:t>7/20/2016</a:t>
+              <a:t>7/21/2016</a:t>
             </a:fld>
             <a:endParaRPr lang="en-US"/>
           </a:p>
@@ -3969,7 +3975,7 @@
             <a:fld id="{1D8BD707-D9CF-40AE-B4C6-C98DA3205C09}" type="datetimeFigureOut">
               <a:rPr lang="en-US" smtClean="0"/>
               <a:pPr/>
-              <a:t>7/20/2016</a:t>
+              <a:t>7/21/2016</a:t>
             </a:fld>
             <a:endParaRPr lang="en-US"/>
           </a:p>
@@ -4226,7 +4232,7 @@
             <a:fld id="{1D8BD707-D9CF-40AE-B4C6-C98DA3205C09}" type="datetimeFigureOut">
               <a:rPr lang="en-US" smtClean="0"/>
               <a:pPr/>
-              <a:t>7/20/2016</a:t>
+              <a:t>7/21/2016</a:t>
             </a:fld>
             <a:endParaRPr lang="en-US"/>
           </a:p>
@@ -4637,7 +4643,7 @@
             <a:fld id="{1D8BD707-D9CF-40AE-B4C6-C98DA3205C09}" type="datetimeFigureOut">
               <a:rPr lang="en-US" smtClean="0"/>
               <a:pPr/>
-              <a:t>7/20/2016</a:t>
+              <a:t>7/21/2016</a:t>
             </a:fld>
             <a:endParaRPr lang="en-US"/>
           </a:p>
@@ -5085,7 +5091,7 @@
             <a:fld id="{1D8BD707-D9CF-40AE-B4C6-C98DA3205C09}" type="datetimeFigureOut">
               <a:rPr lang="en-US" smtClean="0"/>
               <a:pPr/>
-              <a:t>7/20/2016</a:t>
+              <a:t>7/21/2016</a:t>
             </a:fld>
             <a:endParaRPr lang="en-US"/>
           </a:p>
@@ -5188,7 +5194,7 @@
             <a:fld id="{1D8BD707-D9CF-40AE-B4C6-C98DA3205C09}" type="datetimeFigureOut">
               <a:rPr lang="en-US" smtClean="0"/>
               <a:pPr/>
-              <a:t>7/20/2016</a:t>
+              <a:t>7/21/2016</a:t>
             </a:fld>
             <a:endParaRPr lang="en-US"/>
           </a:p>
@@ -5311,7 +5317,7 @@
             <a:fld id="{1D8BD707-D9CF-40AE-B4C6-C98DA3205C09}" type="datetimeFigureOut">
               <a:rPr lang="en-US" smtClean="0"/>
               <a:pPr/>
-              <a:t>7/20/2016</a:t>
+              <a:t>7/21/2016</a:t>
             </a:fld>
             <a:endParaRPr lang="en-US"/>
           </a:p>
@@ -5587,7 +5593,7 @@
             <a:fld id="{1D8BD707-D9CF-40AE-B4C6-C98DA3205C09}" type="datetimeFigureOut">
               <a:rPr lang="en-US" smtClean="0"/>
               <a:pPr/>
-              <a:t>7/20/2016</a:t>
+              <a:t>7/21/2016</a:t>
             </a:fld>
             <a:endParaRPr lang="en-US"/>
           </a:p>
@@ -5794,7 +5800,7 @@
             <a:fld id="{1D8BD707-D9CF-40AE-B4C6-C98DA3205C09}" type="datetimeFigureOut">
               <a:rPr lang="en-US" smtClean="0"/>
               <a:pPr/>
-              <a:t>7/20/2016</a:t>
+              <a:t>7/21/2016</a:t>
             </a:fld>
             <a:endParaRPr lang="en-US"/>
           </a:p>
@@ -6905,7 +6911,7 @@
             <a:fld id="{1D8BD707-D9CF-40AE-B4C6-C98DA3205C09}" type="datetimeFigureOut">
               <a:rPr lang="en-US" smtClean="0"/>
               <a:pPr/>
-              <a:t>7/20/2016</a:t>
+              <a:t>7/21/2016</a:t>
             </a:fld>
             <a:endParaRPr lang="en-US"/>
           </a:p>
@@ -8857,13 +8863,8 @@
           <a:p>
             <a:r>
               <a:rPr lang="en-US" dirty="0" smtClean="0"/>
-              <a:t>Best possible set was the one with street, district, month, hour and day</a:t>
-            </a:r>
-            <a:r>
-              <a:rPr lang="en-US" dirty="0" smtClean="0"/>
-              <a:t>.</a:t>
-            </a:r>
-            <a:endParaRPr lang="en-US" dirty="0" smtClean="0"/>
+              <a:t>Best possible set was the one with street, district, month, hour and day.</a:t>
+            </a:r>
           </a:p>
         </p:txBody>
       </p:sp>
@@ -8933,11 +8934,7 @@
           <a:p>
             <a:r>
               <a:rPr lang="en-US" dirty="0" smtClean="0"/>
-              <a:t>Other classifiers such as SVM can be used – works well with high dimensional data although very intensive computationally</a:t>
-            </a:r>
-            <a:r>
-              <a:rPr lang="en-US" dirty="0" smtClean="0"/>
-              <a:t>.</a:t>
+              <a:t>Other classifiers such as SVM can be used – works well with high dimensional data although very intensive computationally.</a:t>
             </a:r>
             <a:endParaRPr lang="en-US" dirty="0"/>
           </a:p>
@@ -9302,19 +9299,74 @@
           <a:p>
             <a:r>
               <a:rPr lang="en-US" dirty="0" smtClean="0"/>
-              <a:t>Predictive Policing by RAND corp.</a:t>
-            </a:r>
-          </a:p>
-          <a:p>
-            <a:pPr marL="109728" indent="0">
+              <a:t>Different models solve a specific problem.</a:t>
+            </a:r>
+          </a:p>
+          <a:p>
+            <a:r>
+              <a:rPr lang="en-US" dirty="0" smtClean="0"/>
+              <a:t>Better data </a:t>
+            </a:r>
+            <a:r>
+              <a:rPr lang="en-US" dirty="0" smtClean="0">
+                <a:sym typeface="Wingdings" panose="05000000000000000000" pitchFamily="2" charset="2"/>
+              </a:rPr>
+              <a:t> more informed models</a:t>
+            </a:r>
+            <a:endParaRPr lang="en-US" dirty="0" smtClean="0"/>
+          </a:p>
+          <a:p>
+            <a:r>
+              <a:rPr lang="en-US" dirty="0" smtClean="0"/>
+              <a:t>The choice of model depends on the use case required by the BPD.</a:t>
+            </a:r>
+          </a:p>
+          <a:p>
+            <a:r>
+              <a:rPr lang="en-US" dirty="0" smtClean="0"/>
+              <a:t>Among several choices, two important factors </a:t>
+            </a:r>
+          </a:p>
+          <a:p>
+            <a:pPr lvl="1"/>
+            <a:r>
+              <a:rPr lang="en-US" dirty="0" smtClean="0"/>
+              <a:t>What the BPD(/user) wants to use the model for.</a:t>
+            </a:r>
+          </a:p>
+          <a:p>
+            <a:pPr lvl="1"/>
+            <a:r>
+              <a:rPr lang="en-US" dirty="0"/>
+              <a:t>R</a:t>
+            </a:r>
+            <a:r>
+              <a:rPr lang="en-US" dirty="0" smtClean="0"/>
+              <a:t>eal time decisions or not – choice of algorithm</a:t>
+            </a:r>
+          </a:p>
+          <a:p>
+            <a:pPr lvl="1"/>
+            <a:r>
+              <a:rPr lang="en-US" dirty="0" smtClean="0"/>
+              <a:t>Can more data across different areas be acquired?</a:t>
+            </a:r>
+          </a:p>
+          <a:p>
+            <a:pPr lvl="1"/>
+            <a:r>
+              <a:rPr lang="en-US" dirty="0"/>
+              <a:t> </a:t>
+            </a:r>
+            <a:r>
+              <a:rPr lang="en-US" dirty="0" smtClean="0"/>
+              <a:t>False positives or false negatives?</a:t>
+            </a:r>
+          </a:p>
+          <a:p>
+            <a:pPr marL="393192" lvl="1" indent="0">
               <a:buNone/>
             </a:pPr>
-            <a:r>
-              <a:rPr lang="en-US" dirty="0">
-                <a:hlinkClick r:id="rId2"/>
-              </a:rPr>
-              <a:t>http://www.rand.org/content/dam/rand/pubs/research_reports/RR200/RR233/RAND_RR233.pdf</a:t>
-            </a:r>
             <a:endParaRPr lang="en-US" dirty="0"/>
           </a:p>
         </p:txBody>
@@ -9336,7 +9388,7 @@
           <a:p>
             <a:r>
               <a:rPr lang="en-US" dirty="0" smtClean="0"/>
-              <a:t>References:</a:t>
+              <a:t> Summary</a:t>
             </a:r>
             <a:endParaRPr lang="en-US" dirty="0"/>
           </a:p>
@@ -9345,7 +9397,203 @@
     </p:spTree>
     <p:extLst>
       <p:ext uri="{BB962C8B-B14F-4D97-AF65-F5344CB8AC3E}">
-        <p14:creationId xmlns:p14="http://schemas.microsoft.com/office/powerpoint/2010/main" val="2646899458"/>
+        <p14:creationId xmlns:p14="http://schemas.microsoft.com/office/powerpoint/2010/main" val="4241296631"/>
+      </p:ext>
+    </p:extLst>
+  </p:cSld>
+  <p:clrMapOvr>
+    <a:masterClrMapping/>
+  </p:clrMapOvr>
+</p:sld>
+</file>
+
+<file path=ppt/slides/slide28.xml><?xml version="1.0" encoding="utf-8"?>
+<p:sld xmlns:a="http://schemas.openxmlformats.org/drawingml/2006/main" xmlns:r="http://schemas.openxmlformats.org/officeDocument/2006/relationships" xmlns:p="http://schemas.openxmlformats.org/presentationml/2006/main">
+  <p:cSld>
+    <p:spTree>
+      <p:nvGrpSpPr>
+        <p:cNvPr id="1" name=""/>
+        <p:cNvGrpSpPr/>
+        <p:nvPr/>
+      </p:nvGrpSpPr>
+      <p:grpSpPr>
+        <a:xfrm>
+          <a:off x="0" y="0"/>
+          <a:ext cx="0" cy="0"/>
+          <a:chOff x="0" y="0"/>
+          <a:chExt cx="0" cy="0"/>
+        </a:xfrm>
+      </p:grpSpPr>
+      <p:sp>
+        <p:nvSpPr>
+          <p:cNvPr id="2" name="Content Placeholder 1"/>
+          <p:cNvSpPr>
+            <a:spLocks noGrp="1"/>
+          </p:cNvSpPr>
+          <p:nvPr>
+            <p:ph idx="1"/>
+          </p:nvPr>
+        </p:nvSpPr>
+        <p:spPr/>
+        <p:txBody>
+          <a:bodyPr/>
+          <a:lstStyle/>
+          <a:p>
+            <a:r>
+              <a:rPr lang="en-US" dirty="0" smtClean="0"/>
+              <a:t>Most of the models are multi class problems.</a:t>
+            </a:r>
+          </a:p>
+          <a:p>
+            <a:r>
+              <a:rPr lang="en-US" dirty="0" smtClean="0"/>
+              <a:t>How to generate predictions? - Absolute or probability of each crime?</a:t>
+            </a:r>
+          </a:p>
+          <a:p>
+            <a:r>
+              <a:rPr lang="en-US" dirty="0" smtClean="0"/>
+              <a:t>Among the baseline models built, Random Forests and Logistic Regressions scale well and give good performance (relatively) but succumb to class imbalance issue.</a:t>
+            </a:r>
+          </a:p>
+          <a:p>
+            <a:r>
+              <a:rPr lang="en-US" dirty="0" smtClean="0"/>
+              <a:t>Algorithms like SVM, Neural Networks can be tried but are very computationally expensive and can take time.</a:t>
+            </a:r>
+            <a:endParaRPr lang="en-US" dirty="0"/>
+          </a:p>
+          <a:p>
+            <a:pPr marL="630936" lvl="2" indent="0">
+              <a:buNone/>
+            </a:pPr>
+            <a:endParaRPr lang="en-US" dirty="0" smtClean="0"/>
+          </a:p>
+        </p:txBody>
+      </p:sp>
+      <p:sp>
+        <p:nvSpPr>
+          <p:cNvPr id="3" name="Title 2"/>
+          <p:cNvSpPr>
+            <a:spLocks noGrp="1"/>
+          </p:cNvSpPr>
+          <p:nvPr>
+            <p:ph type="title"/>
+          </p:nvPr>
+        </p:nvSpPr>
+        <p:spPr/>
+        <p:txBody>
+          <a:bodyPr/>
+          <a:lstStyle/>
+          <a:p>
+            <a:r>
+              <a:rPr lang="en-US" dirty="0" smtClean="0"/>
+              <a:t>Choice of  Algorithms</a:t>
+            </a:r>
+            <a:endParaRPr lang="en-US" dirty="0"/>
+          </a:p>
+        </p:txBody>
+      </p:sp>
+    </p:spTree>
+    <p:extLst>
+      <p:ext uri="{BB962C8B-B14F-4D97-AF65-F5344CB8AC3E}">
+        <p14:creationId xmlns:p14="http://schemas.microsoft.com/office/powerpoint/2010/main" val="1069002091"/>
+      </p:ext>
+    </p:extLst>
+  </p:cSld>
+  <p:clrMapOvr>
+    <a:masterClrMapping/>
+  </p:clrMapOvr>
+</p:sld>
+</file>
+
+<file path=ppt/slides/slide29.xml><?xml version="1.0" encoding="utf-8"?>
+<p:sld xmlns:a="http://schemas.openxmlformats.org/drawingml/2006/main" xmlns:r="http://schemas.openxmlformats.org/officeDocument/2006/relationships" xmlns:p="http://schemas.openxmlformats.org/presentationml/2006/main">
+  <p:cSld>
+    <p:spTree>
+      <p:nvGrpSpPr>
+        <p:cNvPr id="1" name=""/>
+        <p:cNvGrpSpPr/>
+        <p:nvPr/>
+      </p:nvGrpSpPr>
+      <p:grpSpPr>
+        <a:xfrm>
+          <a:off x="0" y="0"/>
+          <a:ext cx="0" cy="0"/>
+          <a:chOff x="0" y="0"/>
+          <a:chExt cx="0" cy="0"/>
+        </a:xfrm>
+      </p:grpSpPr>
+      <p:sp>
+        <p:nvSpPr>
+          <p:cNvPr id="2" name="Content Placeholder 1"/>
+          <p:cNvSpPr>
+            <a:spLocks noGrp="1"/>
+          </p:cNvSpPr>
+          <p:nvPr>
+            <p:ph idx="1"/>
+          </p:nvPr>
+        </p:nvSpPr>
+        <p:spPr/>
+        <p:txBody>
+          <a:bodyPr/>
+          <a:lstStyle/>
+          <a:p>
+            <a:r>
+              <a:rPr lang="en-US" dirty="0" smtClean="0"/>
+              <a:t>Ensemble algorithms can give better performances:</a:t>
+            </a:r>
+          </a:p>
+          <a:p>
+            <a:pPr lvl="1"/>
+            <a:r>
+              <a:rPr lang="en-US" dirty="0" smtClean="0"/>
+              <a:t>Boosting Algorithms – seems to be an obvious choice as it builds upon the examples that have been misclassified.</a:t>
+            </a:r>
+          </a:p>
+          <a:p>
+            <a:pPr lvl="1"/>
+            <a:r>
+              <a:rPr lang="en-US" dirty="0" smtClean="0"/>
+              <a:t>Deal with skewed class sets better</a:t>
+            </a:r>
+          </a:p>
+          <a:p>
+            <a:pPr lvl="1"/>
+            <a:r>
+              <a:rPr lang="en-US" dirty="0" smtClean="0"/>
+              <a:t>Speed can be an issue although.</a:t>
+            </a:r>
+          </a:p>
+          <a:p>
+            <a:pPr lvl="1"/>
+            <a:endParaRPr lang="en-US" dirty="0"/>
+          </a:p>
+        </p:txBody>
+      </p:sp>
+      <p:sp>
+        <p:nvSpPr>
+          <p:cNvPr id="3" name="Title 2"/>
+          <p:cNvSpPr>
+            <a:spLocks noGrp="1"/>
+          </p:cNvSpPr>
+          <p:nvPr>
+            <p:ph type="title"/>
+          </p:nvPr>
+        </p:nvSpPr>
+        <p:spPr/>
+        <p:txBody>
+          <a:bodyPr/>
+          <a:lstStyle/>
+          <a:p>
+            <a:endParaRPr lang="en-US" dirty="0"/>
+          </a:p>
+        </p:txBody>
+      </p:sp>
+    </p:spTree>
+    <p:extLst>
+      <p:ext uri="{BB962C8B-B14F-4D97-AF65-F5344CB8AC3E}">
+        <p14:creationId xmlns:p14="http://schemas.microsoft.com/office/powerpoint/2010/main" val="46761170"/>
       </p:ext>
     </p:extLst>
   </p:cSld>
@@ -9427,6 +9675,445 @@
     <p:extLst>
       <p:ext uri="{BB962C8B-B14F-4D97-AF65-F5344CB8AC3E}">
         <p14:creationId xmlns:p14="http://schemas.microsoft.com/office/powerpoint/2010/main" val="2187589176"/>
+      </p:ext>
+    </p:extLst>
+  </p:cSld>
+  <p:clrMapOvr>
+    <a:masterClrMapping/>
+  </p:clrMapOvr>
+</p:sld>
+</file>
+
+<file path=ppt/slides/slide30.xml><?xml version="1.0" encoding="utf-8"?>
+<p:sld xmlns:a="http://schemas.openxmlformats.org/drawingml/2006/main" xmlns:r="http://schemas.openxmlformats.org/officeDocument/2006/relationships" xmlns:p="http://schemas.openxmlformats.org/presentationml/2006/main">
+  <p:cSld>
+    <p:spTree>
+      <p:nvGrpSpPr>
+        <p:cNvPr id="1" name=""/>
+        <p:cNvGrpSpPr/>
+        <p:nvPr/>
+      </p:nvGrpSpPr>
+      <p:grpSpPr>
+        <a:xfrm>
+          <a:off x="0" y="0"/>
+          <a:ext cx="0" cy="0"/>
+          <a:chOff x="0" y="0"/>
+          <a:chExt cx="0" cy="0"/>
+        </a:xfrm>
+      </p:grpSpPr>
+      <p:sp>
+        <p:nvSpPr>
+          <p:cNvPr id="2" name="Content Placeholder 1"/>
+          <p:cNvSpPr>
+            <a:spLocks noGrp="1"/>
+          </p:cNvSpPr>
+          <p:nvPr>
+            <p:ph idx="1"/>
+          </p:nvPr>
+        </p:nvSpPr>
+        <p:spPr/>
+        <p:txBody>
+          <a:bodyPr/>
+          <a:lstStyle/>
+          <a:p>
+            <a:r>
+              <a:rPr lang="en-US" dirty="0" smtClean="0"/>
+              <a:t>Various methods to tackle:</a:t>
+            </a:r>
+          </a:p>
+          <a:p>
+            <a:pPr lvl="1"/>
+            <a:r>
+              <a:rPr lang="en-US" dirty="0" smtClean="0"/>
+              <a:t>Weighting: where the class weights are inversely proportional to the class distribution. Cost of misclassifying the rare class worse than misclassifying the major class.</a:t>
+            </a:r>
+          </a:p>
+          <a:p>
+            <a:pPr lvl="1"/>
+            <a:r>
+              <a:rPr lang="en-US" dirty="0" smtClean="0"/>
+              <a:t>Sampling: </a:t>
+            </a:r>
+            <a:r>
+              <a:rPr lang="en-US" dirty="0" err="1" smtClean="0"/>
+              <a:t>Oversamping</a:t>
+            </a:r>
+            <a:r>
+              <a:rPr lang="en-US" dirty="0" smtClean="0"/>
+              <a:t> vs Under sampling – Oversampling the minor classes balances the dataset but can impact performance too/ overfitting</a:t>
+            </a:r>
+          </a:p>
+          <a:p>
+            <a:pPr lvl="1"/>
+            <a:r>
+              <a:rPr lang="en-US" dirty="0" smtClean="0"/>
+              <a:t>SMOTE – widely applied technique where the instances are synthetically generated for minor classes.</a:t>
+            </a:r>
+            <a:endParaRPr lang="en-US" dirty="0"/>
+          </a:p>
+        </p:txBody>
+      </p:sp>
+      <p:sp>
+        <p:nvSpPr>
+          <p:cNvPr id="3" name="Title 2"/>
+          <p:cNvSpPr>
+            <a:spLocks noGrp="1"/>
+          </p:cNvSpPr>
+          <p:nvPr>
+            <p:ph type="title"/>
+          </p:nvPr>
+        </p:nvSpPr>
+        <p:spPr/>
+        <p:txBody>
+          <a:bodyPr/>
+          <a:lstStyle/>
+          <a:p>
+            <a:r>
+              <a:rPr lang="en-US" dirty="0" smtClean="0"/>
+              <a:t> Imbalanced Classes</a:t>
+            </a:r>
+            <a:endParaRPr lang="en-US" dirty="0"/>
+          </a:p>
+        </p:txBody>
+      </p:sp>
+    </p:spTree>
+    <p:extLst>
+      <p:ext uri="{BB962C8B-B14F-4D97-AF65-F5344CB8AC3E}">
+        <p14:creationId xmlns:p14="http://schemas.microsoft.com/office/powerpoint/2010/main" val="2990554928"/>
+      </p:ext>
+    </p:extLst>
+  </p:cSld>
+  <p:clrMapOvr>
+    <a:masterClrMapping/>
+  </p:clrMapOvr>
+</p:sld>
+</file>
+
+<file path=ppt/slides/slide31.xml><?xml version="1.0" encoding="utf-8"?>
+<p:sld xmlns:a="http://schemas.openxmlformats.org/drawingml/2006/main" xmlns:r="http://schemas.openxmlformats.org/officeDocument/2006/relationships" xmlns:p="http://schemas.openxmlformats.org/presentationml/2006/main">
+  <p:cSld>
+    <p:spTree>
+      <p:nvGrpSpPr>
+        <p:cNvPr id="1" name=""/>
+        <p:cNvGrpSpPr/>
+        <p:nvPr/>
+      </p:nvGrpSpPr>
+      <p:grpSpPr>
+        <a:xfrm>
+          <a:off x="0" y="0"/>
+          <a:ext cx="0" cy="0"/>
+          <a:chOff x="0" y="0"/>
+          <a:chExt cx="0" cy="0"/>
+        </a:xfrm>
+      </p:grpSpPr>
+      <p:sp>
+        <p:nvSpPr>
+          <p:cNvPr id="2" name="Content Placeholder 1"/>
+          <p:cNvSpPr>
+            <a:spLocks noGrp="1"/>
+          </p:cNvSpPr>
+          <p:nvPr>
+            <p:ph idx="1"/>
+          </p:nvPr>
+        </p:nvSpPr>
+        <p:spPr/>
+        <p:txBody>
+          <a:bodyPr>
+            <a:normAutofit fontScale="92500" lnSpcReduction="10000"/>
+          </a:bodyPr>
+          <a:lstStyle/>
+          <a:p>
+            <a:r>
+              <a:rPr lang="en-US" dirty="0"/>
+              <a:t>The feature set of (District, Street name, Hour, Day, Month) generates better performance through different metrics across the models</a:t>
+            </a:r>
+            <a:r>
+              <a:rPr lang="en-US" dirty="0" smtClean="0"/>
+              <a:t>.</a:t>
+            </a:r>
+          </a:p>
+          <a:p>
+            <a:r>
+              <a:rPr lang="en-US" dirty="0" smtClean="0"/>
+              <a:t>Prefer a cross validated approach as this makes sure that every data point gets to be on the test set exactly once.</a:t>
+            </a:r>
+            <a:endParaRPr lang="en-US" dirty="0"/>
+          </a:p>
+          <a:p>
+            <a:r>
+              <a:rPr lang="en-US" dirty="0"/>
+              <a:t>Class imbalance a common issue in all the models:</a:t>
+            </a:r>
+          </a:p>
+          <a:p>
+            <a:pPr lvl="1"/>
+            <a:r>
+              <a:rPr lang="en-US" dirty="0"/>
+              <a:t>Need to have higher precision-recall scores for the minority classes</a:t>
+            </a:r>
+          </a:p>
+          <a:p>
+            <a:pPr lvl="1"/>
+            <a:r>
+              <a:rPr lang="en-US" dirty="0"/>
+              <a:t>Baseline models tend to classify all the instances to the major class</a:t>
+            </a:r>
+          </a:p>
+          <a:p>
+            <a:pPr lvl="1"/>
+            <a:r>
+              <a:rPr lang="en-US" dirty="0"/>
+              <a:t>Accuracy is not the right metric in this sense.</a:t>
+            </a:r>
+          </a:p>
+          <a:p>
+            <a:pPr marL="393192" lvl="1" indent="0">
+              <a:buNone/>
+            </a:pPr>
+            <a:endParaRPr lang="en-US" dirty="0"/>
+          </a:p>
+          <a:p>
+            <a:endParaRPr lang="en-US" dirty="0"/>
+          </a:p>
+          <a:p>
+            <a:endParaRPr lang="en-US" dirty="0"/>
+          </a:p>
+        </p:txBody>
+      </p:sp>
+      <p:sp>
+        <p:nvSpPr>
+          <p:cNvPr id="3" name="Title 2"/>
+          <p:cNvSpPr>
+            <a:spLocks noGrp="1"/>
+          </p:cNvSpPr>
+          <p:nvPr>
+            <p:ph type="title"/>
+          </p:nvPr>
+        </p:nvSpPr>
+        <p:spPr/>
+        <p:txBody>
+          <a:bodyPr/>
+          <a:lstStyle/>
+          <a:p>
+            <a:endParaRPr lang="en-US"/>
+          </a:p>
+        </p:txBody>
+      </p:sp>
+    </p:spTree>
+    <p:extLst>
+      <p:ext uri="{BB962C8B-B14F-4D97-AF65-F5344CB8AC3E}">
+        <p14:creationId xmlns:p14="http://schemas.microsoft.com/office/powerpoint/2010/main" val="1594603011"/>
+      </p:ext>
+    </p:extLst>
+  </p:cSld>
+  <p:clrMapOvr>
+    <a:masterClrMapping/>
+  </p:clrMapOvr>
+</p:sld>
+</file>
+
+<file path=ppt/slides/slide32.xml><?xml version="1.0" encoding="utf-8"?>
+<p:sld xmlns:a="http://schemas.openxmlformats.org/drawingml/2006/main" xmlns:r="http://schemas.openxmlformats.org/officeDocument/2006/relationships" xmlns:p="http://schemas.openxmlformats.org/presentationml/2006/main">
+  <p:cSld>
+    <p:spTree>
+      <p:nvGrpSpPr>
+        <p:cNvPr id="1" name=""/>
+        <p:cNvGrpSpPr/>
+        <p:nvPr/>
+      </p:nvGrpSpPr>
+      <p:grpSpPr>
+        <a:xfrm>
+          <a:off x="0" y="0"/>
+          <a:ext cx="0" cy="0"/>
+          <a:chOff x="0" y="0"/>
+          <a:chExt cx="0" cy="0"/>
+        </a:xfrm>
+      </p:grpSpPr>
+      <p:sp>
+        <p:nvSpPr>
+          <p:cNvPr id="2" name="Content Placeholder 1"/>
+          <p:cNvSpPr>
+            <a:spLocks noGrp="1"/>
+          </p:cNvSpPr>
+          <p:nvPr>
+            <p:ph idx="1"/>
+          </p:nvPr>
+        </p:nvSpPr>
+        <p:spPr/>
+        <p:txBody>
+          <a:bodyPr/>
+          <a:lstStyle/>
+          <a:p>
+            <a:r>
+              <a:rPr lang="en-US" dirty="0" smtClean="0"/>
+              <a:t>Depends on the choice of models.</a:t>
+            </a:r>
+          </a:p>
+          <a:p>
+            <a:r>
+              <a:rPr lang="en-US" dirty="0" smtClean="0"/>
+              <a:t>Multi class problem: Log-Loss a better metric than overall accuracy.</a:t>
+            </a:r>
+          </a:p>
+          <a:p>
+            <a:r>
+              <a:rPr lang="en-US" dirty="0" smtClean="0"/>
+              <a:t>Important to have an eye on the individual class precision-recall-f1 scores.</a:t>
+            </a:r>
+            <a:endParaRPr lang="en-US" dirty="0"/>
+          </a:p>
+          <a:p>
+            <a:r>
+              <a:rPr lang="en-US" dirty="0" smtClean="0"/>
+              <a:t>AUC metric for binary classification</a:t>
+            </a:r>
+          </a:p>
+          <a:p>
+            <a:r>
+              <a:rPr lang="en-US" dirty="0" smtClean="0"/>
+              <a:t>Precision Recall &gt; ROC (? - depends)</a:t>
+            </a:r>
+          </a:p>
+          <a:p>
+            <a:r>
+              <a:rPr lang="en-US" dirty="0" smtClean="0"/>
+              <a:t>F1 score</a:t>
+            </a:r>
+          </a:p>
+          <a:p>
+            <a:r>
+              <a:rPr lang="en-US" dirty="0"/>
+              <a:t>Metric for class imbalance : Cohen’s Kappa</a:t>
+            </a:r>
+          </a:p>
+          <a:p>
+            <a:endParaRPr lang="en-US" dirty="0"/>
+          </a:p>
+          <a:p>
+            <a:endParaRPr lang="en-US" dirty="0" smtClean="0"/>
+          </a:p>
+          <a:p>
+            <a:pPr marL="109728" indent="0">
+              <a:buNone/>
+            </a:pPr>
+            <a:endParaRPr lang="en-US" dirty="0" smtClean="0"/>
+          </a:p>
+        </p:txBody>
+      </p:sp>
+      <p:sp>
+        <p:nvSpPr>
+          <p:cNvPr id="3" name="Title 2"/>
+          <p:cNvSpPr>
+            <a:spLocks noGrp="1"/>
+          </p:cNvSpPr>
+          <p:nvPr>
+            <p:ph type="title"/>
+          </p:nvPr>
+        </p:nvSpPr>
+        <p:spPr/>
+        <p:txBody>
+          <a:bodyPr/>
+          <a:lstStyle/>
+          <a:p>
+            <a:r>
+              <a:rPr lang="en-US" dirty="0" smtClean="0"/>
+              <a:t> Choice of Metrics</a:t>
+            </a:r>
+            <a:endParaRPr lang="en-US" dirty="0"/>
+          </a:p>
+        </p:txBody>
+      </p:sp>
+    </p:spTree>
+    <p:extLst>
+      <p:ext uri="{BB962C8B-B14F-4D97-AF65-F5344CB8AC3E}">
+        <p14:creationId xmlns:p14="http://schemas.microsoft.com/office/powerpoint/2010/main" val="2316446145"/>
+      </p:ext>
+    </p:extLst>
+  </p:cSld>
+  <p:clrMapOvr>
+    <a:masterClrMapping/>
+  </p:clrMapOvr>
+</p:sld>
+</file>
+
+<file path=ppt/slides/slide33.xml><?xml version="1.0" encoding="utf-8"?>
+<p:sld xmlns:a="http://schemas.openxmlformats.org/drawingml/2006/main" xmlns:r="http://schemas.openxmlformats.org/officeDocument/2006/relationships" xmlns:p="http://schemas.openxmlformats.org/presentationml/2006/main">
+  <p:cSld>
+    <p:spTree>
+      <p:nvGrpSpPr>
+        <p:cNvPr id="1" name=""/>
+        <p:cNvGrpSpPr/>
+        <p:nvPr/>
+      </p:nvGrpSpPr>
+      <p:grpSpPr>
+        <a:xfrm>
+          <a:off x="0" y="0"/>
+          <a:ext cx="0" cy="0"/>
+          <a:chOff x="0" y="0"/>
+          <a:chExt cx="0" cy="0"/>
+        </a:xfrm>
+      </p:grpSpPr>
+      <p:sp>
+        <p:nvSpPr>
+          <p:cNvPr id="2" name="Content Placeholder 1"/>
+          <p:cNvSpPr>
+            <a:spLocks noGrp="1"/>
+          </p:cNvSpPr>
+          <p:nvPr>
+            <p:ph idx="1"/>
+          </p:nvPr>
+        </p:nvSpPr>
+        <p:spPr/>
+        <p:txBody>
+          <a:bodyPr/>
+          <a:lstStyle/>
+          <a:p>
+            <a:r>
+              <a:rPr lang="en-US" dirty="0" smtClean="0"/>
+              <a:t>Predictive Policing by RAND corp.</a:t>
+            </a:r>
+          </a:p>
+          <a:p>
+            <a:pPr marL="109728" indent="0">
+              <a:buNone/>
+            </a:pPr>
+            <a:r>
+              <a:rPr lang="en-US" dirty="0">
+                <a:hlinkClick r:id="rId2"/>
+              </a:rPr>
+              <a:t>http://www.rand.org/content/dam/rand/pubs/research_reports/RR200/RR233/RAND_RR233.pdf</a:t>
+            </a:r>
+            <a:endParaRPr lang="en-US" dirty="0"/>
+          </a:p>
+        </p:txBody>
+      </p:sp>
+      <p:sp>
+        <p:nvSpPr>
+          <p:cNvPr id="3" name="Title 2"/>
+          <p:cNvSpPr>
+            <a:spLocks noGrp="1"/>
+          </p:cNvSpPr>
+          <p:nvPr>
+            <p:ph type="title"/>
+          </p:nvPr>
+        </p:nvSpPr>
+        <p:spPr/>
+        <p:txBody>
+          <a:bodyPr/>
+          <a:lstStyle/>
+          <a:p>
+            <a:r>
+              <a:rPr lang="en-US" dirty="0" smtClean="0"/>
+              <a:t>References:</a:t>
+            </a:r>
+            <a:endParaRPr lang="en-US" dirty="0"/>
+          </a:p>
+        </p:txBody>
+      </p:sp>
+    </p:spTree>
+    <p:extLst>
+      <p:ext uri="{BB962C8B-B14F-4D97-AF65-F5344CB8AC3E}">
+        <p14:creationId xmlns:p14="http://schemas.microsoft.com/office/powerpoint/2010/main" val="2646899458"/>
       </p:ext>
     </p:extLst>
   </p:cSld>

--- a/infor/Boston Crime Prediction.pptx
+++ b/infor/Boston Crime Prediction.pptx
@@ -9562,8 +9562,26 @@
             <a:pPr lvl="1"/>
             <a:r>
               <a:rPr lang="en-US" dirty="0" smtClean="0"/>
-              <a:t>Speed can be an issue although.</a:t>
-            </a:r>
+              <a:t>Speed can be an issue although</a:t>
+            </a:r>
+            <a:r>
+              <a:rPr lang="en-US" dirty="0" smtClean="0"/>
+              <a:t>.</a:t>
+            </a:r>
+          </a:p>
+          <a:p>
+            <a:pPr lvl="1"/>
+            <a:endParaRPr lang="en-US" dirty="0"/>
+          </a:p>
+          <a:p>
+            <a:pPr marL="393192" lvl="1" indent="0">
+              <a:buNone/>
+            </a:pPr>
+            <a:r>
+              <a:rPr lang="en-US" dirty="0" smtClean="0"/>
+              <a:t>Near Repeat Modelling</a:t>
+            </a:r>
+            <a:endParaRPr lang="en-US" dirty="0" smtClean="0"/>
           </a:p>
           <a:p>
             <a:pPr lvl="1"/>
